--- a/Extracción de datos perritos.pptx
+++ b/Extracción de datos perritos.pptx
@@ -6,12 +6,13 @@
   </p:sldMasterIdLst>
   <p:sldIdLst>
     <p:sldId id="256" r:id="rId2"/>
-    <p:sldId id="257" r:id="rId3"/>
-    <p:sldId id="258" r:id="rId4"/>
-    <p:sldId id="261" r:id="rId5"/>
-    <p:sldId id="262" r:id="rId6"/>
-    <p:sldId id="260" r:id="rId7"/>
-    <p:sldId id="263" r:id="rId8"/>
+    <p:sldId id="264" r:id="rId3"/>
+    <p:sldId id="257" r:id="rId4"/>
+    <p:sldId id="258" r:id="rId5"/>
+    <p:sldId id="261" r:id="rId6"/>
+    <p:sldId id="262" r:id="rId7"/>
+    <p:sldId id="260" r:id="rId8"/>
+    <p:sldId id="265" r:id="rId9"/>
   </p:sldIdLst>
   <p:sldSz cx="12192000" cy="6858000"/>
   <p:notesSz cx="6858000" cy="9144000"/>
@@ -249,7 +250,7 @@
           <a:p>
             <a:fld id="{63AF5A0B-6F3C-4129-BB28-6E1845FE19EA}" type="datetimeFigureOut">
               <a:rPr lang="es-CL" smtClean="0"/>
-              <a:t>24-01-2019</a:t>
+              <a:t>25-01-2019</a:t>
             </a:fld>
             <a:endParaRPr lang="es-CL"/>
           </a:p>
@@ -419,7 +420,7 @@
           <a:p>
             <a:fld id="{63AF5A0B-6F3C-4129-BB28-6E1845FE19EA}" type="datetimeFigureOut">
               <a:rPr lang="es-CL" smtClean="0"/>
-              <a:t>24-01-2019</a:t>
+              <a:t>25-01-2019</a:t>
             </a:fld>
             <a:endParaRPr lang="es-CL"/>
           </a:p>
@@ -599,7 +600,7 @@
           <a:p>
             <a:fld id="{63AF5A0B-6F3C-4129-BB28-6E1845FE19EA}" type="datetimeFigureOut">
               <a:rPr lang="es-CL" smtClean="0"/>
-              <a:t>24-01-2019</a:t>
+              <a:t>25-01-2019</a:t>
             </a:fld>
             <a:endParaRPr lang="es-CL"/>
           </a:p>
@@ -769,7 +770,7 @@
           <a:p>
             <a:fld id="{63AF5A0B-6F3C-4129-BB28-6E1845FE19EA}" type="datetimeFigureOut">
               <a:rPr lang="es-CL" smtClean="0"/>
-              <a:t>24-01-2019</a:t>
+              <a:t>25-01-2019</a:t>
             </a:fld>
             <a:endParaRPr lang="es-CL"/>
           </a:p>
@@ -1015,7 +1016,7 @@
           <a:p>
             <a:fld id="{63AF5A0B-6F3C-4129-BB28-6E1845FE19EA}" type="datetimeFigureOut">
               <a:rPr lang="es-CL" smtClean="0"/>
-              <a:t>24-01-2019</a:t>
+              <a:t>25-01-2019</a:t>
             </a:fld>
             <a:endParaRPr lang="es-CL"/>
           </a:p>
@@ -1247,7 +1248,7 @@
           <a:p>
             <a:fld id="{63AF5A0B-6F3C-4129-BB28-6E1845FE19EA}" type="datetimeFigureOut">
               <a:rPr lang="es-CL" smtClean="0"/>
-              <a:t>24-01-2019</a:t>
+              <a:t>25-01-2019</a:t>
             </a:fld>
             <a:endParaRPr lang="es-CL"/>
           </a:p>
@@ -1614,7 +1615,7 @@
           <a:p>
             <a:fld id="{63AF5A0B-6F3C-4129-BB28-6E1845FE19EA}" type="datetimeFigureOut">
               <a:rPr lang="es-CL" smtClean="0"/>
-              <a:t>24-01-2019</a:t>
+              <a:t>25-01-2019</a:t>
             </a:fld>
             <a:endParaRPr lang="es-CL"/>
           </a:p>
@@ -1732,7 +1733,7 @@
           <a:p>
             <a:fld id="{63AF5A0B-6F3C-4129-BB28-6E1845FE19EA}" type="datetimeFigureOut">
               <a:rPr lang="es-CL" smtClean="0"/>
-              <a:t>24-01-2019</a:t>
+              <a:t>25-01-2019</a:t>
             </a:fld>
             <a:endParaRPr lang="es-CL"/>
           </a:p>
@@ -1827,7 +1828,7 @@
           <a:p>
             <a:fld id="{63AF5A0B-6F3C-4129-BB28-6E1845FE19EA}" type="datetimeFigureOut">
               <a:rPr lang="es-CL" smtClean="0"/>
-              <a:t>24-01-2019</a:t>
+              <a:t>25-01-2019</a:t>
             </a:fld>
             <a:endParaRPr lang="es-CL"/>
           </a:p>
@@ -2104,7 +2105,7 @@
           <a:p>
             <a:fld id="{63AF5A0B-6F3C-4129-BB28-6E1845FE19EA}" type="datetimeFigureOut">
               <a:rPr lang="es-CL" smtClean="0"/>
-              <a:t>24-01-2019</a:t>
+              <a:t>25-01-2019</a:t>
             </a:fld>
             <a:endParaRPr lang="es-CL"/>
           </a:p>
@@ -2357,7 +2358,7 @@
           <a:p>
             <a:fld id="{63AF5A0B-6F3C-4129-BB28-6E1845FE19EA}" type="datetimeFigureOut">
               <a:rPr lang="es-CL" smtClean="0"/>
-              <a:t>24-01-2019</a:t>
+              <a:t>25-01-2019</a:t>
             </a:fld>
             <a:endParaRPr lang="es-CL"/>
           </a:p>
@@ -2570,7 +2571,7 @@
           <a:p>
             <a:fld id="{63AF5A0B-6F3C-4129-BB28-6E1845FE19EA}" type="datetimeFigureOut">
               <a:rPr lang="es-CL" smtClean="0"/>
-              <a:t>24-01-2019</a:t>
+              <a:t>25-01-2019</a:t>
             </a:fld>
             <a:endParaRPr lang="es-CL"/>
           </a:p>
@@ -3224,7 +3225,7 @@
           <a:graphicData uri="http://schemas.openxmlformats.org/presentationml/2006/ole">
             <mc:AlternateContent xmlns:mc="http://schemas.openxmlformats.org/markup-compatibility/2006">
               <mc:Choice xmlns:v="urn:schemas-microsoft-com:vml" Requires="v">
-                <p:oleObj spid="_x0000_s1037" name="Imagen de mapa de bits" r:id="rId3" imgW="1781424" imgH="2553056" progId="Paint.Picture">
+                <p:oleObj spid="_x0000_s1042" name="Imagen de mapa de bits" r:id="rId3" imgW="1781424" imgH="2553056" progId="Paint.Picture">
                   <p:embed/>
                 </p:oleObj>
               </mc:Choice>
@@ -3263,7 +3264,7 @@
                       <a:noFill/>
                       <a:extLst>
                         <a:ext uri="{909E8E84-426E-40dd-AFC4-6F175D3DCCD1}">
-                          <a14:hiddenFill xmlns:a14="http://schemas.microsoft.com/office/drawing/2010/main" xmlns="">
+                          <a14:hiddenFill xmlns="" xmlns:a14="http://schemas.microsoft.com/office/drawing/2010/main">
                             <a:solidFill>
                               <a:srgbClr val="FFFFFF"/>
                             </a:solidFill>
@@ -3371,6 +3372,13 @@
   <p:clrMapOvr>
     <a:masterClrMapping/>
   </p:clrMapOvr>
+  <p:timing>
+    <p:tnLst>
+      <p:par>
+        <p:cTn id="1" dur="indefinite" restart="never" nodeType="tmRoot"/>
+      </p:par>
+    </p:tnLst>
+  </p:timing>
 </p:sld>
 </file>
 
@@ -3393,14 +3401,14 @@
       </p:grpSpPr>
       <p:sp>
         <p:nvSpPr>
-          <p:cNvPr id="6" name="Rectángulo redondeado 5"/>
+          <p:cNvPr id="5" name="Rectángulo redondeado 4"/>
           <p:cNvSpPr/>
           <p:nvPr/>
         </p:nvSpPr>
         <p:spPr>
           <a:xfrm>
-            <a:off x="206062" y="553792"/>
-            <a:ext cx="3116687" cy="5950039"/>
+            <a:off x="3078051" y="258338"/>
+            <a:ext cx="7328079" cy="668942"/>
           </a:xfrm>
           <a:prstGeom prst="roundRect">
             <a:avLst/>
@@ -3424,18 +3432,904 @@
           <a:bodyPr rtlCol="0" anchor="ctr"/>
           <a:lstStyle/>
           <a:p>
+            <a:pPr algn="ctr"/>
+            <a:r>
+              <a:rPr lang="es-CL" sz="2800" dirty="0" smtClean="0"/>
+              <a:t>MOTIVACIÓN</a:t>
+            </a:r>
+            <a:endParaRPr lang="es-CL" sz="2800" dirty="0" smtClean="0"/>
+          </a:p>
+        </p:txBody>
+      </p:sp>
+      <p:pic>
+        <p:nvPicPr>
+          <p:cNvPr id="6" name="Imagen 5"/>
+          <p:cNvPicPr>
+            <a:picLocks noChangeAspect="1"/>
+          </p:cNvPicPr>
+          <p:nvPr/>
+        </p:nvPicPr>
+        <p:blipFill>
+          <a:blip r:embed="rId2">
+            <a:extLst>
+              <a:ext uri="{28A0092B-C50C-407E-A947-70E740481C1C}">
+                <a14:useLocalDpi xmlns:a14="http://schemas.microsoft.com/office/drawing/2010/main" val="0"/>
+              </a:ext>
+            </a:extLst>
+          </a:blip>
+          <a:stretch>
+            <a:fillRect/>
+          </a:stretch>
+        </p:blipFill>
+        <p:spPr>
+          <a:xfrm>
+            <a:off x="265671" y="1588611"/>
+            <a:ext cx="3187498" cy="2012109"/>
+          </a:xfrm>
+          <a:prstGeom prst="rect">
+            <a:avLst/>
+          </a:prstGeom>
+        </p:spPr>
+      </p:pic>
+      <p:pic>
+        <p:nvPicPr>
+          <p:cNvPr id="7" name="Imagen 6"/>
+          <p:cNvPicPr>
+            <a:picLocks noChangeAspect="1"/>
+          </p:cNvPicPr>
+          <p:nvPr/>
+        </p:nvPicPr>
+        <p:blipFill rotWithShape="1">
+          <a:blip r:embed="rId3"/>
+          <a:srcRect l="13442" t="15800" r="72403" b="66947"/>
+          <a:stretch/>
+        </p:blipFill>
+        <p:spPr>
+          <a:xfrm>
+            <a:off x="321479" y="4068625"/>
+            <a:ext cx="3187498" cy="2184439"/>
+          </a:xfrm>
+          <a:prstGeom prst="rect">
+            <a:avLst/>
+          </a:prstGeom>
+        </p:spPr>
+      </p:pic>
+      <p:sp>
+        <p:nvSpPr>
+          <p:cNvPr id="8" name="Flecha derecha 7"/>
+          <p:cNvSpPr/>
+          <p:nvPr/>
+        </p:nvSpPr>
+        <p:spPr>
+          <a:xfrm>
+            <a:off x="3508977" y="2279561"/>
+            <a:ext cx="1365161" cy="798490"/>
+          </a:xfrm>
+          <a:prstGeom prst="rightArrow">
+            <a:avLst/>
+          </a:prstGeom>
+          <a:ln>
+            <a:noFill/>
+          </a:ln>
+          <a:effectLst>
+            <a:outerShdw blurRad="44450" dist="27940" dir="5400000" algn="ctr">
+              <a:srgbClr val="000000">
+                <a:alpha val="32000"/>
+              </a:srgbClr>
+            </a:outerShdw>
+          </a:effectLst>
+          <a:scene3d>
+            <a:camera prst="orthographicFront">
+              <a:rot lat="0" lon="0" rev="0"/>
+            </a:camera>
+            <a:lightRig rig="balanced" dir="t">
+              <a:rot lat="0" lon="0" rev="8700000"/>
+            </a:lightRig>
+          </a:scene3d>
+          <a:sp3d>
+            <a:bevelT w="190500" h="38100"/>
+          </a:sp3d>
+        </p:spPr>
+        <p:style>
+          <a:lnRef idx="3">
+            <a:schemeClr val="lt1"/>
+          </a:lnRef>
+          <a:fillRef idx="1">
+            <a:schemeClr val="accent5"/>
+          </a:fillRef>
+          <a:effectRef idx="1">
+            <a:schemeClr val="accent5"/>
+          </a:effectRef>
+          <a:fontRef idx="minor">
+            <a:schemeClr val="lt1"/>
+          </a:fontRef>
+        </p:style>
+        <p:txBody>
+          <a:bodyPr rtlCol="0" anchor="ctr"/>
+          <a:lstStyle/>
+          <a:p>
+            <a:pPr algn="ctr"/>
+            <a:endParaRPr lang="es-CL"/>
+          </a:p>
+        </p:txBody>
+      </p:sp>
+      <p:sp>
+        <p:nvSpPr>
+          <p:cNvPr id="9" name="Flecha derecha 8"/>
+          <p:cNvSpPr/>
+          <p:nvPr/>
+        </p:nvSpPr>
+        <p:spPr>
+          <a:xfrm>
+            <a:off x="3508977" y="4556975"/>
+            <a:ext cx="1365161" cy="798490"/>
+          </a:xfrm>
+          <a:prstGeom prst="rightArrow">
+            <a:avLst/>
+          </a:prstGeom>
+          <a:ln>
+            <a:noFill/>
+          </a:ln>
+          <a:effectLst>
+            <a:outerShdw blurRad="44450" dist="27940" dir="5400000" algn="ctr">
+              <a:srgbClr val="000000">
+                <a:alpha val="32000"/>
+              </a:srgbClr>
+            </a:outerShdw>
+          </a:effectLst>
+          <a:scene3d>
+            <a:camera prst="orthographicFront">
+              <a:rot lat="0" lon="0" rev="0"/>
+            </a:camera>
+            <a:lightRig rig="balanced" dir="t">
+              <a:rot lat="0" lon="0" rev="8700000"/>
+            </a:lightRig>
+          </a:scene3d>
+          <a:sp3d>
+            <a:bevelT w="190500" h="38100"/>
+          </a:sp3d>
+        </p:spPr>
+        <p:style>
+          <a:lnRef idx="3">
+            <a:schemeClr val="lt1"/>
+          </a:lnRef>
+          <a:fillRef idx="1">
+            <a:schemeClr val="accent2"/>
+          </a:fillRef>
+          <a:effectRef idx="1">
+            <a:schemeClr val="accent2"/>
+          </a:effectRef>
+          <a:fontRef idx="minor">
+            <a:schemeClr val="lt1"/>
+          </a:fontRef>
+        </p:style>
+        <p:txBody>
+          <a:bodyPr rtlCol="0" anchor="ctr"/>
+          <a:lstStyle/>
+          <a:p>
+            <a:pPr algn="ctr"/>
+            <a:endParaRPr lang="es-CL"/>
+          </a:p>
+        </p:txBody>
+      </p:sp>
+      <p:pic>
+        <p:nvPicPr>
+          <p:cNvPr id="10" name="Imagen 9"/>
+          <p:cNvPicPr>
+            <a:picLocks noChangeAspect="1"/>
+          </p:cNvPicPr>
+          <p:nvPr/>
+        </p:nvPicPr>
+        <p:blipFill rotWithShape="1">
+          <a:blip r:embed="rId4" cstate="print">
+            <a:extLst>
+              <a:ext uri="{28A0092B-C50C-407E-A947-70E740481C1C}">
+                <a14:useLocalDpi xmlns:a14="http://schemas.microsoft.com/office/drawing/2010/main" val="0"/>
+              </a:ext>
+            </a:extLst>
+          </a:blip>
+          <a:srcRect t="23952" r="25099" b="5165"/>
+          <a:stretch/>
+        </p:blipFill>
+        <p:spPr>
+          <a:xfrm>
+            <a:off x="10092469" y="3853310"/>
+            <a:ext cx="1806305" cy="2562895"/>
+          </a:xfrm>
+          <a:prstGeom prst="rect">
+            <a:avLst/>
+          </a:prstGeom>
+          <a:solidFill>
+            <a:srgbClr val="FFFFFF">
+              <a:shade val="85000"/>
+            </a:srgbClr>
+          </a:solidFill>
+          <a:ln w="88900" cap="sq">
+            <a:solidFill>
+              <a:srgbClr val="FFFFFF"/>
+            </a:solidFill>
+            <a:miter lim="800000"/>
+          </a:ln>
+          <a:effectLst>
+            <a:outerShdw blurRad="55000" dist="18000" dir="5400000" algn="tl" rotWithShape="0">
+              <a:srgbClr val="000000">
+                <a:alpha val="40000"/>
+              </a:srgbClr>
+            </a:outerShdw>
+          </a:effectLst>
+          <a:scene3d>
+            <a:camera prst="orthographicFront"/>
+            <a:lightRig rig="twoPt" dir="t">
+              <a:rot lat="0" lon="0" rev="7200000"/>
+            </a:lightRig>
+          </a:scene3d>
+          <a:sp3d>
+            <a:bevelT w="25400" h="19050"/>
+            <a:contourClr>
+              <a:srgbClr val="FFFFFF"/>
+            </a:contourClr>
+          </a:sp3d>
+        </p:spPr>
+      </p:pic>
+      <p:pic>
+        <p:nvPicPr>
+          <p:cNvPr id="11" name="Imagen 10"/>
+          <p:cNvPicPr>
+            <a:picLocks noChangeAspect="1"/>
+          </p:cNvPicPr>
+          <p:nvPr/>
+        </p:nvPicPr>
+        <p:blipFill rotWithShape="1">
+          <a:blip r:embed="rId5">
+            <a:extLst>
+              <a:ext uri="{28A0092B-C50C-407E-A947-70E740481C1C}">
+                <a14:useLocalDpi xmlns:a14="http://schemas.microsoft.com/office/drawing/2010/main" val="0"/>
+              </a:ext>
+            </a:extLst>
+          </a:blip>
+          <a:srcRect l="31527" t="22160" r="14055" b="29952"/>
+          <a:stretch/>
+        </p:blipFill>
+        <p:spPr>
+          <a:xfrm>
+            <a:off x="5070497" y="3853310"/>
+            <a:ext cx="1671593" cy="2615068"/>
+          </a:xfrm>
+          <a:prstGeom prst="rect">
+            <a:avLst/>
+          </a:prstGeom>
+          <a:solidFill>
+            <a:srgbClr val="FFFFFF">
+              <a:shade val="85000"/>
+            </a:srgbClr>
+          </a:solidFill>
+          <a:ln w="88900" cap="sq">
+            <a:solidFill>
+              <a:srgbClr val="FFFFFF"/>
+            </a:solidFill>
+            <a:miter lim="800000"/>
+          </a:ln>
+          <a:effectLst>
+            <a:outerShdw blurRad="55000" dist="18000" dir="5400000" algn="tl" rotWithShape="0">
+              <a:srgbClr val="000000">
+                <a:alpha val="40000"/>
+              </a:srgbClr>
+            </a:outerShdw>
+          </a:effectLst>
+          <a:scene3d>
+            <a:camera prst="orthographicFront"/>
+            <a:lightRig rig="twoPt" dir="t">
+              <a:rot lat="0" lon="0" rev="7200000"/>
+            </a:lightRig>
+          </a:scene3d>
+          <a:sp3d>
+            <a:bevelT w="25400" h="19050"/>
+            <a:contourClr>
+              <a:srgbClr val="FFFFFF"/>
+            </a:contourClr>
+          </a:sp3d>
+        </p:spPr>
+      </p:pic>
+      <p:pic>
+        <p:nvPicPr>
+          <p:cNvPr id="12" name="Imagen 11"/>
+          <p:cNvPicPr>
+            <a:picLocks noChangeAspect="1"/>
+          </p:cNvPicPr>
+          <p:nvPr/>
+        </p:nvPicPr>
+        <p:blipFill rotWithShape="1">
+          <a:blip r:embed="rId6">
+            <a:extLst>
+              <a:ext uri="{28A0092B-C50C-407E-A947-70E740481C1C}">
+                <a14:useLocalDpi xmlns:a14="http://schemas.microsoft.com/office/drawing/2010/main" val="0"/>
+              </a:ext>
+            </a:extLst>
+          </a:blip>
+          <a:srcRect t="24788" r="3705" b="27136"/>
+          <a:stretch/>
+        </p:blipFill>
+        <p:spPr>
+          <a:xfrm>
+            <a:off x="6963692" y="3853310"/>
+            <a:ext cx="2907175" cy="2580284"/>
+          </a:xfrm>
+          <a:prstGeom prst="rect">
+            <a:avLst/>
+          </a:prstGeom>
+          <a:solidFill>
+            <a:srgbClr val="FFFFFF">
+              <a:shade val="85000"/>
+            </a:srgbClr>
+          </a:solidFill>
+          <a:ln w="88900" cap="sq">
+            <a:solidFill>
+              <a:srgbClr val="FFFFFF"/>
+            </a:solidFill>
+            <a:miter lim="800000"/>
+          </a:ln>
+          <a:effectLst>
+            <a:outerShdw blurRad="55000" dist="18000" dir="5400000" algn="tl" rotWithShape="0">
+              <a:srgbClr val="000000">
+                <a:alpha val="40000"/>
+              </a:srgbClr>
+            </a:outerShdw>
+          </a:effectLst>
+          <a:scene3d>
+            <a:camera prst="orthographicFront"/>
+            <a:lightRig rig="twoPt" dir="t">
+              <a:rot lat="0" lon="0" rev="7200000"/>
+            </a:lightRig>
+          </a:scene3d>
+          <a:sp3d>
+            <a:bevelT w="25400" h="19050"/>
+            <a:contourClr>
+              <a:srgbClr val="FFFFFF"/>
+            </a:contourClr>
+          </a:sp3d>
+        </p:spPr>
+      </p:pic>
+      <p:sp>
+        <p:nvSpPr>
+          <p:cNvPr id="14" name="Rectángulo redondeado 13"/>
+          <p:cNvSpPr/>
+          <p:nvPr/>
+        </p:nvSpPr>
+        <p:spPr>
+          <a:xfrm>
+            <a:off x="4932865" y="2085587"/>
+            <a:ext cx="6968828" cy="1186437"/>
+          </a:xfrm>
+          <a:prstGeom prst="roundRect">
+            <a:avLst/>
+          </a:prstGeom>
+        </p:spPr>
+        <p:style>
+          <a:lnRef idx="2">
+            <a:schemeClr val="accent2"/>
+          </a:lnRef>
+          <a:fillRef idx="1">
+            <a:schemeClr val="lt1"/>
+          </a:fillRef>
+          <a:effectRef idx="0">
+            <a:schemeClr val="accent2"/>
+          </a:effectRef>
+          <a:fontRef idx="minor">
+            <a:schemeClr val="dk1"/>
+          </a:fontRef>
+        </p:style>
+        <p:txBody>
+          <a:bodyPr rtlCol="0" anchor="ctr"/>
+          <a:lstStyle/>
+          <a:p>
+            <a:pPr marL="285750" indent="-285750" algn="ctr">
+              <a:buFont typeface="Wingdings" panose="05000000000000000000" pitchFamily="2" charset="2"/>
+              <a:buChar char="v"/>
+            </a:pPr>
+            <a:r>
+              <a:rPr lang="es-CL" sz="1600" dirty="0" smtClean="0"/>
+              <a:t> Obtener la información a través de API requiere tiempo, el cual </a:t>
+            </a:r>
+            <a:r>
+              <a:rPr lang="es-CL" sz="1600" dirty="0" smtClean="0"/>
+              <a:t>era reducido. Además es una pagina compleja de analizar.</a:t>
+            </a:r>
+            <a:endParaRPr lang="es-CL" sz="1600" dirty="0" smtClean="0"/>
+          </a:p>
+        </p:txBody>
+      </p:sp>
+      <p:sp>
+        <p:nvSpPr>
+          <p:cNvPr id="13" name="Multiplicar 12"/>
+          <p:cNvSpPr/>
+          <p:nvPr/>
+        </p:nvSpPr>
+        <p:spPr>
+          <a:xfrm>
+            <a:off x="530749" y="876408"/>
+            <a:ext cx="2768957" cy="3436513"/>
+          </a:xfrm>
+          <a:prstGeom prst="mathMultiply">
+            <a:avLst/>
+          </a:prstGeom>
+          <a:solidFill>
+            <a:srgbClr val="FF0000"/>
+          </a:solidFill>
+          <a:ln w="57150">
+            <a:solidFill>
+              <a:srgbClr val="FF0000"/>
+            </a:solidFill>
+          </a:ln>
+        </p:spPr>
+        <p:style>
+          <a:lnRef idx="2">
+            <a:schemeClr val="accent1">
+              <a:shade val="50000"/>
+            </a:schemeClr>
+          </a:lnRef>
+          <a:fillRef idx="1">
+            <a:schemeClr val="accent1"/>
+          </a:fillRef>
+          <a:effectRef idx="0">
+            <a:schemeClr val="accent1"/>
+          </a:effectRef>
+          <a:fontRef idx="minor">
+            <a:schemeClr val="lt1"/>
+          </a:fontRef>
+        </p:style>
+        <p:txBody>
+          <a:bodyPr rtlCol="0" anchor="ctr"/>
+          <a:lstStyle/>
+          <a:p>
+            <a:pPr algn="ctr"/>
+            <a:endParaRPr lang="es-CL"/>
+          </a:p>
+        </p:txBody>
+      </p:sp>
+    </p:spTree>
+    <p:extLst>
+      <p:ext uri="{BB962C8B-B14F-4D97-AF65-F5344CB8AC3E}">
+        <p14:creationId xmlns:p14="http://schemas.microsoft.com/office/powerpoint/2010/main" val="1096057029"/>
+      </p:ext>
+    </p:extLst>
+  </p:cSld>
+  <p:clrMapOvr>
+    <a:masterClrMapping/>
+  </p:clrMapOvr>
+  <p:timing>
+    <p:tnLst>
+      <p:par>
+        <p:cTn id="1" dur="indefinite" restart="never" nodeType="tmRoot">
+          <p:childTnLst>
+            <p:seq concurrent="1" nextAc="seek">
+              <p:cTn id="2" dur="indefinite" nodeType="mainSeq">
+                <p:childTnLst>
+                  <p:par>
+                    <p:cTn id="3" fill="hold">
+                      <p:stCondLst>
+                        <p:cond delay="indefinite"/>
+                      </p:stCondLst>
+                      <p:childTnLst>
+                        <p:par>
+                          <p:cTn id="4" fill="hold">
+                            <p:stCondLst>
+                              <p:cond delay="0"/>
+                            </p:stCondLst>
+                            <p:childTnLst>
+                              <p:par>
+                                <p:cTn id="5" presetID="16" presetClass="entr" presetSubtype="21" fill="hold" grpId="0" nodeType="clickEffect">
+                                  <p:stCondLst>
+                                    <p:cond delay="0"/>
+                                  </p:stCondLst>
+                                  <p:childTnLst>
+                                    <p:set>
+                                      <p:cBhvr>
+                                        <p:cTn id="6" dur="1" fill="hold">
+                                          <p:stCondLst>
+                                            <p:cond delay="0"/>
+                                          </p:stCondLst>
+                                        </p:cTn>
+                                        <p:tgtEl>
+                                          <p:spTgt spid="13"/>
+                                        </p:tgtEl>
+                                        <p:attrNameLst>
+                                          <p:attrName>style.visibility</p:attrName>
+                                        </p:attrNameLst>
+                                      </p:cBhvr>
+                                      <p:to>
+                                        <p:strVal val="visible"/>
+                                      </p:to>
+                                    </p:set>
+                                    <p:animEffect transition="in" filter="barn(inVertical)">
+                                      <p:cBhvr>
+                                        <p:cTn id="7" dur="500"/>
+                                        <p:tgtEl>
+                                          <p:spTgt spid="13"/>
+                                        </p:tgtEl>
+                                      </p:cBhvr>
+                                    </p:animEffect>
+                                  </p:childTnLst>
+                                </p:cTn>
+                              </p:par>
+                            </p:childTnLst>
+                          </p:cTn>
+                        </p:par>
+                      </p:childTnLst>
+                    </p:cTn>
+                  </p:par>
+                  <p:par>
+                    <p:cTn id="8" fill="hold">
+                      <p:stCondLst>
+                        <p:cond delay="indefinite"/>
+                      </p:stCondLst>
+                      <p:childTnLst>
+                        <p:par>
+                          <p:cTn id="9" fill="hold">
+                            <p:stCondLst>
+                              <p:cond delay="0"/>
+                            </p:stCondLst>
+                            <p:childTnLst>
+                              <p:par>
+                                <p:cTn id="10" presetID="22" presetClass="entr" presetSubtype="4" fill="hold" grpId="0" nodeType="clickEffect">
+                                  <p:stCondLst>
+                                    <p:cond delay="0"/>
+                                  </p:stCondLst>
+                                  <p:childTnLst>
+                                    <p:set>
+                                      <p:cBhvr>
+                                        <p:cTn id="11" dur="1" fill="hold">
+                                          <p:stCondLst>
+                                            <p:cond delay="0"/>
+                                          </p:stCondLst>
+                                        </p:cTn>
+                                        <p:tgtEl>
+                                          <p:spTgt spid="14"/>
+                                        </p:tgtEl>
+                                        <p:attrNameLst>
+                                          <p:attrName>style.visibility</p:attrName>
+                                        </p:attrNameLst>
+                                      </p:cBhvr>
+                                      <p:to>
+                                        <p:strVal val="visible"/>
+                                      </p:to>
+                                    </p:set>
+                                    <p:animEffect transition="in" filter="wipe(down)">
+                                      <p:cBhvr>
+                                        <p:cTn id="12" dur="500"/>
+                                        <p:tgtEl>
+                                          <p:spTgt spid="14"/>
+                                        </p:tgtEl>
+                                      </p:cBhvr>
+                                    </p:animEffect>
+                                  </p:childTnLst>
+                                </p:cTn>
+                              </p:par>
+                            </p:childTnLst>
+                          </p:cTn>
+                        </p:par>
+                      </p:childTnLst>
+                    </p:cTn>
+                  </p:par>
+                  <p:par>
+                    <p:cTn id="13" fill="hold">
+                      <p:stCondLst>
+                        <p:cond delay="indefinite"/>
+                      </p:stCondLst>
+                      <p:childTnLst>
+                        <p:par>
+                          <p:cTn id="14" fill="hold">
+                            <p:stCondLst>
+                              <p:cond delay="0"/>
+                            </p:stCondLst>
+                            <p:childTnLst>
+                              <p:par>
+                                <p:cTn id="15" presetID="2" presetClass="entr" presetSubtype="4" fill="hold" nodeType="clickEffect">
+                                  <p:stCondLst>
+                                    <p:cond delay="0"/>
+                                  </p:stCondLst>
+                                  <p:childTnLst>
+                                    <p:set>
+                                      <p:cBhvr>
+                                        <p:cTn id="16" dur="1" fill="hold">
+                                          <p:stCondLst>
+                                            <p:cond delay="0"/>
+                                          </p:stCondLst>
+                                        </p:cTn>
+                                        <p:tgtEl>
+                                          <p:spTgt spid="11"/>
+                                        </p:tgtEl>
+                                        <p:attrNameLst>
+                                          <p:attrName>style.visibility</p:attrName>
+                                        </p:attrNameLst>
+                                      </p:cBhvr>
+                                      <p:to>
+                                        <p:strVal val="visible"/>
+                                      </p:to>
+                                    </p:set>
+                                    <p:anim calcmode="lin" valueType="num">
+                                      <p:cBhvr additive="base">
+                                        <p:cTn id="17" dur="500" fill="hold"/>
+                                        <p:tgtEl>
+                                          <p:spTgt spid="11"/>
+                                        </p:tgtEl>
+                                        <p:attrNameLst>
+                                          <p:attrName>ppt_x</p:attrName>
+                                        </p:attrNameLst>
+                                      </p:cBhvr>
+                                      <p:tavLst>
+                                        <p:tav tm="0">
+                                          <p:val>
+                                            <p:strVal val="#ppt_x"/>
+                                          </p:val>
+                                        </p:tav>
+                                        <p:tav tm="100000">
+                                          <p:val>
+                                            <p:strVal val="#ppt_x"/>
+                                          </p:val>
+                                        </p:tav>
+                                      </p:tavLst>
+                                    </p:anim>
+                                    <p:anim calcmode="lin" valueType="num">
+                                      <p:cBhvr additive="base">
+                                        <p:cTn id="18" dur="500" fill="hold"/>
+                                        <p:tgtEl>
+                                          <p:spTgt spid="11"/>
+                                        </p:tgtEl>
+                                        <p:attrNameLst>
+                                          <p:attrName>ppt_y</p:attrName>
+                                        </p:attrNameLst>
+                                      </p:cBhvr>
+                                      <p:tavLst>
+                                        <p:tav tm="0">
+                                          <p:val>
+                                            <p:strVal val="1+#ppt_h/2"/>
+                                          </p:val>
+                                        </p:tav>
+                                        <p:tav tm="100000">
+                                          <p:val>
+                                            <p:strVal val="#ppt_y"/>
+                                          </p:val>
+                                        </p:tav>
+                                      </p:tavLst>
+                                    </p:anim>
+                                  </p:childTnLst>
+                                </p:cTn>
+                              </p:par>
+                              <p:par>
+                                <p:cTn id="19" presetID="2" presetClass="entr" presetSubtype="4" fill="hold" nodeType="withEffect">
+                                  <p:stCondLst>
+                                    <p:cond delay="0"/>
+                                  </p:stCondLst>
+                                  <p:childTnLst>
+                                    <p:set>
+                                      <p:cBhvr>
+                                        <p:cTn id="20" dur="1" fill="hold">
+                                          <p:stCondLst>
+                                            <p:cond delay="0"/>
+                                          </p:stCondLst>
+                                        </p:cTn>
+                                        <p:tgtEl>
+                                          <p:spTgt spid="12"/>
+                                        </p:tgtEl>
+                                        <p:attrNameLst>
+                                          <p:attrName>style.visibility</p:attrName>
+                                        </p:attrNameLst>
+                                      </p:cBhvr>
+                                      <p:to>
+                                        <p:strVal val="visible"/>
+                                      </p:to>
+                                    </p:set>
+                                    <p:anim calcmode="lin" valueType="num">
+                                      <p:cBhvr additive="base">
+                                        <p:cTn id="21" dur="500" fill="hold"/>
+                                        <p:tgtEl>
+                                          <p:spTgt spid="12"/>
+                                        </p:tgtEl>
+                                        <p:attrNameLst>
+                                          <p:attrName>ppt_x</p:attrName>
+                                        </p:attrNameLst>
+                                      </p:cBhvr>
+                                      <p:tavLst>
+                                        <p:tav tm="0">
+                                          <p:val>
+                                            <p:strVal val="#ppt_x"/>
+                                          </p:val>
+                                        </p:tav>
+                                        <p:tav tm="100000">
+                                          <p:val>
+                                            <p:strVal val="#ppt_x"/>
+                                          </p:val>
+                                        </p:tav>
+                                      </p:tavLst>
+                                    </p:anim>
+                                    <p:anim calcmode="lin" valueType="num">
+                                      <p:cBhvr additive="base">
+                                        <p:cTn id="22" dur="500" fill="hold"/>
+                                        <p:tgtEl>
+                                          <p:spTgt spid="12"/>
+                                        </p:tgtEl>
+                                        <p:attrNameLst>
+                                          <p:attrName>ppt_y</p:attrName>
+                                        </p:attrNameLst>
+                                      </p:cBhvr>
+                                      <p:tavLst>
+                                        <p:tav tm="0">
+                                          <p:val>
+                                            <p:strVal val="1+#ppt_h/2"/>
+                                          </p:val>
+                                        </p:tav>
+                                        <p:tav tm="100000">
+                                          <p:val>
+                                            <p:strVal val="#ppt_y"/>
+                                          </p:val>
+                                        </p:tav>
+                                      </p:tavLst>
+                                    </p:anim>
+                                  </p:childTnLst>
+                                </p:cTn>
+                              </p:par>
+                              <p:par>
+                                <p:cTn id="23" presetID="2" presetClass="entr" presetSubtype="4" fill="hold" nodeType="withEffect">
+                                  <p:stCondLst>
+                                    <p:cond delay="0"/>
+                                  </p:stCondLst>
+                                  <p:childTnLst>
+                                    <p:set>
+                                      <p:cBhvr>
+                                        <p:cTn id="24" dur="1" fill="hold">
+                                          <p:stCondLst>
+                                            <p:cond delay="0"/>
+                                          </p:stCondLst>
+                                        </p:cTn>
+                                        <p:tgtEl>
+                                          <p:spTgt spid="10"/>
+                                        </p:tgtEl>
+                                        <p:attrNameLst>
+                                          <p:attrName>style.visibility</p:attrName>
+                                        </p:attrNameLst>
+                                      </p:cBhvr>
+                                      <p:to>
+                                        <p:strVal val="visible"/>
+                                      </p:to>
+                                    </p:set>
+                                    <p:anim calcmode="lin" valueType="num">
+                                      <p:cBhvr additive="base">
+                                        <p:cTn id="25" dur="500" fill="hold"/>
+                                        <p:tgtEl>
+                                          <p:spTgt spid="10"/>
+                                        </p:tgtEl>
+                                        <p:attrNameLst>
+                                          <p:attrName>ppt_x</p:attrName>
+                                        </p:attrNameLst>
+                                      </p:cBhvr>
+                                      <p:tavLst>
+                                        <p:tav tm="0">
+                                          <p:val>
+                                            <p:strVal val="#ppt_x"/>
+                                          </p:val>
+                                        </p:tav>
+                                        <p:tav tm="100000">
+                                          <p:val>
+                                            <p:strVal val="#ppt_x"/>
+                                          </p:val>
+                                        </p:tav>
+                                      </p:tavLst>
+                                    </p:anim>
+                                    <p:anim calcmode="lin" valueType="num">
+                                      <p:cBhvr additive="base">
+                                        <p:cTn id="26" dur="500" fill="hold"/>
+                                        <p:tgtEl>
+                                          <p:spTgt spid="10"/>
+                                        </p:tgtEl>
+                                        <p:attrNameLst>
+                                          <p:attrName>ppt_y</p:attrName>
+                                        </p:attrNameLst>
+                                      </p:cBhvr>
+                                      <p:tavLst>
+                                        <p:tav tm="0">
+                                          <p:val>
+                                            <p:strVal val="1+#ppt_h/2"/>
+                                          </p:val>
+                                        </p:tav>
+                                        <p:tav tm="100000">
+                                          <p:val>
+                                            <p:strVal val="#ppt_y"/>
+                                          </p:val>
+                                        </p:tav>
+                                      </p:tavLst>
+                                    </p:anim>
+                                  </p:childTnLst>
+                                </p:cTn>
+                              </p:par>
+                            </p:childTnLst>
+                          </p:cTn>
+                        </p:par>
+                      </p:childTnLst>
+                    </p:cTn>
+                  </p:par>
+                </p:childTnLst>
+              </p:cTn>
+              <p:prevCondLst>
+                <p:cond evt="onPrev" delay="0">
+                  <p:tgtEl>
+                    <p:sldTgt/>
+                  </p:tgtEl>
+                </p:cond>
+              </p:prevCondLst>
+              <p:nextCondLst>
+                <p:cond evt="onNext" delay="0">
+                  <p:tgtEl>
+                    <p:sldTgt/>
+                  </p:tgtEl>
+                </p:cond>
+              </p:nextCondLst>
+            </p:seq>
+          </p:childTnLst>
+        </p:cTn>
+      </p:par>
+    </p:tnLst>
+    <p:bldLst>
+      <p:bldP spid="14" grpId="0" animBg="1"/>
+      <p:bldP spid="13" grpId="0" animBg="1"/>
+    </p:bldLst>
+  </p:timing>
+</p:sld>
+</file>
+
+<file path=ppt/slides/slide3.xml><?xml version="1.0" encoding="utf-8"?>
+<p:sld xmlns:a="http://schemas.openxmlformats.org/drawingml/2006/main" xmlns:r="http://schemas.openxmlformats.org/officeDocument/2006/relationships" xmlns:p="http://schemas.openxmlformats.org/presentationml/2006/main">
+  <p:cSld>
+    <p:spTree>
+      <p:nvGrpSpPr>
+        <p:cNvPr id="1" name=""/>
+        <p:cNvGrpSpPr/>
+        <p:nvPr/>
+      </p:nvGrpSpPr>
+      <p:grpSpPr>
+        <a:xfrm>
+          <a:off x="0" y="0"/>
+          <a:ext cx="0" cy="0"/>
+          <a:chOff x="0" y="0"/>
+          <a:chExt cx="0" cy="0"/>
+        </a:xfrm>
+      </p:grpSpPr>
+      <p:sp>
+        <p:nvSpPr>
+          <p:cNvPr id="6" name="Rectángulo redondeado 5"/>
+          <p:cNvSpPr/>
+          <p:nvPr/>
+        </p:nvSpPr>
+        <p:spPr>
+          <a:xfrm>
+            <a:off x="206062" y="553792"/>
+            <a:ext cx="3116687" cy="5950039"/>
+          </a:xfrm>
+          <a:prstGeom prst="roundRect">
+            <a:avLst/>
+          </a:prstGeom>
+        </p:spPr>
+        <p:style>
+          <a:lnRef idx="2">
+            <a:schemeClr val="accent2"/>
+          </a:lnRef>
+          <a:fillRef idx="1">
+            <a:schemeClr val="lt1"/>
+          </a:fillRef>
+          <a:effectRef idx="0">
+            <a:schemeClr val="accent2"/>
+          </a:effectRef>
+          <a:fontRef idx="minor">
+            <a:schemeClr val="dk1"/>
+          </a:fontRef>
+        </p:style>
+        <p:txBody>
+          <a:bodyPr rtlCol="0" anchor="ctr"/>
+          <a:lstStyle/>
+          <a:p>
             <a:pPr algn="just"/>
             <a:r>
               <a:rPr lang="es-CL" dirty="0" smtClean="0"/>
-              <a:t>Se quiere extraer todos los datos de la tablas de los 31 perros de la pagina web </a:t>
-            </a:r>
-            <a:r>
-              <a:rPr lang="es-CL" dirty="0" smtClean="0"/>
-              <a:t>Garras y Patas (3 </a:t>
-            </a:r>
-            <a:r>
-              <a:rPr lang="es-CL" dirty="0" smtClean="0"/>
-              <a:t>paginas).</a:t>
+              <a:t>Se quiere extraer todos los datos de la tablas de los 31 perros de la pagina web Garras y Patas (3 paginas).</a:t>
             </a:r>
           </a:p>
           <a:p>
@@ -3453,35 +4347,21 @@
             <a:pPr algn="just"/>
             <a:r>
               <a:rPr lang="es-CL" dirty="0" smtClean="0"/>
-              <a:t>1.- </a:t>
-            </a:r>
+              <a:t>1.- Edad</a:t>
+            </a:r>
+          </a:p>
+          <a:p>
+            <a:pPr algn="just"/>
             <a:r>
               <a:rPr lang="es-CL" dirty="0" smtClean="0"/>
-              <a:t>Edad</a:t>
-            </a:r>
-            <a:endParaRPr lang="es-CL" dirty="0" smtClean="0"/>
+              <a:t>2.- Raza </a:t>
+            </a:r>
           </a:p>
           <a:p>
             <a:pPr algn="just"/>
             <a:r>
               <a:rPr lang="es-CL" dirty="0" smtClean="0"/>
-              <a:t>2.- </a:t>
-            </a:r>
-            <a:r>
-              <a:rPr lang="es-CL" dirty="0" smtClean="0"/>
-              <a:t>Raza </a:t>
-            </a:r>
-            <a:endParaRPr lang="es-CL" dirty="0" smtClean="0"/>
-          </a:p>
-          <a:p>
-            <a:pPr algn="just"/>
-            <a:r>
-              <a:rPr lang="es-CL" dirty="0" smtClean="0"/>
-              <a:t>3.- </a:t>
-            </a:r>
-            <a:r>
-              <a:rPr lang="es-CL" dirty="0" smtClean="0"/>
-              <a:t>Sexo</a:t>
+              <a:t>3.- Sexo</a:t>
             </a:r>
           </a:p>
           <a:p>
@@ -3544,7 +4424,6 @@
               <a:rPr lang="es-CL" dirty="0" smtClean="0"/>
               <a:t>Esterilizado</a:t>
             </a:r>
-            <a:endParaRPr lang="es-CL" dirty="0" smtClean="0"/>
           </a:p>
         </p:txBody>
       </p:sp>
@@ -3581,10 +4460,17 @@
   <p:clrMapOvr>
     <a:masterClrMapping/>
   </p:clrMapOvr>
+  <p:timing>
+    <p:tnLst>
+      <p:par>
+        <p:cTn id="1" dur="indefinite" restart="never" nodeType="tmRoot"/>
+      </p:par>
+    </p:tnLst>
+  </p:timing>
 </p:sld>
 </file>
 
-<file path=ppt/slides/slide3.xml><?xml version="1.0" encoding="utf-8"?>
+<file path=ppt/slides/slide4.xml><?xml version="1.0" encoding="utf-8"?>
 <p:sld xmlns:a="http://schemas.openxmlformats.org/drawingml/2006/main" xmlns:r="http://schemas.openxmlformats.org/officeDocument/2006/relationships" xmlns:p="http://schemas.openxmlformats.org/presentationml/2006/main">
   <p:cSld>
     <p:spTree>
@@ -3692,7 +4578,7 @@
 </p:sld>
 </file>
 
-<file path=ppt/slides/slide4.xml><?xml version="1.0" encoding="utf-8"?>
+<file path=ppt/slides/slide5.xml><?xml version="1.0" encoding="utf-8"?>
 <p:sld xmlns:a="http://schemas.openxmlformats.org/drawingml/2006/main" xmlns:r="http://schemas.openxmlformats.org/officeDocument/2006/relationships" xmlns:p="http://schemas.openxmlformats.org/presentationml/2006/main">
   <p:cSld>
     <p:spTree>
@@ -3825,7 +4711,6 @@
               <a:rPr lang="es-CL" dirty="0"/>
               <a:t>3</a:t>
             </a:r>
-            <a:endParaRPr lang="es-CL" dirty="0"/>
           </a:p>
         </p:txBody>
       </p:sp>
@@ -3939,7 +4824,7 @@
 </p:sld>
 </file>
 
-<file path=ppt/slides/slide5.xml><?xml version="1.0" encoding="utf-8"?>
+<file path=ppt/slides/slide6.xml><?xml version="1.0" encoding="utf-8"?>
 <p:sld xmlns:a="http://schemas.openxmlformats.org/drawingml/2006/main" xmlns:r="http://schemas.openxmlformats.org/officeDocument/2006/relationships" xmlns:p="http://schemas.openxmlformats.org/presentationml/2006/main">
   <p:cSld>
     <p:spTree>
@@ -4212,10 +5097,17 @@
   <p:clrMapOvr>
     <a:masterClrMapping/>
   </p:clrMapOvr>
+  <p:timing>
+    <p:tnLst>
+      <p:par>
+        <p:cTn id="1" dur="indefinite" restart="never" nodeType="tmRoot"/>
+      </p:par>
+    </p:tnLst>
+  </p:timing>
 </p:sld>
 </file>
 
-<file path=ppt/slides/slide6.xml><?xml version="1.0" encoding="utf-8"?>
+<file path=ppt/slides/slide7.xml><?xml version="1.0" encoding="utf-8"?>
 <p:sld xmlns:a="http://schemas.openxmlformats.org/drawingml/2006/main" xmlns:r="http://schemas.openxmlformats.org/officeDocument/2006/relationships" xmlns:p="http://schemas.openxmlformats.org/presentationml/2006/main">
   <p:cSld>
     <p:spTree>
@@ -4631,10 +5523,17 @@
   <p:clrMapOvr>
     <a:masterClrMapping/>
   </p:clrMapOvr>
+  <p:timing>
+    <p:tnLst>
+      <p:par>
+        <p:cTn id="1" dur="indefinite" restart="never" nodeType="tmRoot"/>
+      </p:par>
+    </p:tnLst>
+  </p:timing>
 </p:sld>
 </file>
 
-<file path=ppt/slides/slide7.xml><?xml version="1.0" encoding="utf-8"?>
+<file path=ppt/slides/slide8.xml><?xml version="1.0" encoding="utf-8"?>
 <p:sld xmlns:a="http://schemas.openxmlformats.org/drawingml/2006/main" xmlns:r="http://schemas.openxmlformats.org/officeDocument/2006/relationships" xmlns:p="http://schemas.openxmlformats.org/presentationml/2006/main">
   <p:cSld>
     <p:spTree>
@@ -4666,7 +5565,7 @@
         </p:blipFill>
         <p:spPr>
           <a:xfrm>
-            <a:off x="948657" y="3850783"/>
+            <a:off x="810724" y="3567447"/>
             <a:ext cx="3130684" cy="2145504"/>
           </a:xfrm>
           <a:prstGeom prst="rect">
@@ -4682,7 +5581,7 @@
         </p:nvSpPr>
         <p:spPr>
           <a:xfrm>
-            <a:off x="4391696" y="2718202"/>
+            <a:off x="4468970" y="3335628"/>
             <a:ext cx="7328079" cy="2205333"/>
           </a:xfrm>
           <a:prstGeom prst="roundRect">
@@ -4725,7 +5624,6 @@
               <a:rPr lang="es-CL" dirty="0" smtClean="0"/>
               <a:t>Igualmente este análisis se puede llevar acabo con los gatos que da en adopción la pagina garras y patas. </a:t>
             </a:r>
-            <a:endParaRPr lang="es-CL" dirty="0" smtClean="0"/>
           </a:p>
         </p:txBody>
       </p:sp>
@@ -4777,16 +5675,440 @@
           </a:p>
         </p:txBody>
       </p:sp>
+      <p:pic>
+        <p:nvPicPr>
+          <p:cNvPr id="8" name="Imagen 7"/>
+          <p:cNvPicPr>
+            <a:picLocks noChangeAspect="1"/>
+          </p:cNvPicPr>
+          <p:nvPr/>
+        </p:nvPicPr>
+        <p:blipFill rotWithShape="1">
+          <a:blip r:embed="rId3">
+            <a:extLst>
+              <a:ext uri="{28A0092B-C50C-407E-A947-70E740481C1C}">
+                <a14:useLocalDpi xmlns:a14="http://schemas.microsoft.com/office/drawing/2010/main" val="0"/>
+              </a:ext>
+            </a:extLst>
+          </a:blip>
+          <a:srcRect t="33518" r="52962" b="4320"/>
+          <a:stretch/>
+        </p:blipFill>
+        <p:spPr>
+          <a:xfrm>
+            <a:off x="315274" y="888640"/>
+            <a:ext cx="5428531" cy="4784823"/>
+          </a:xfrm>
+          <a:prstGeom prst="roundRect">
+            <a:avLst>
+              <a:gd name="adj" fmla="val 8594"/>
+            </a:avLst>
+          </a:prstGeom>
+          <a:solidFill>
+            <a:srgbClr val="FFFFFF">
+              <a:shade val="85000"/>
+            </a:srgbClr>
+          </a:solidFill>
+          <a:ln>
+            <a:noFill/>
+          </a:ln>
+          <a:effectLst>
+            <a:reflection blurRad="12700" stA="38000" endPos="28000" dist="5000" dir="5400000" sy="-100000" algn="bl" rotWithShape="0"/>
+          </a:effectLst>
+        </p:spPr>
+      </p:pic>
+      <p:sp>
+        <p:nvSpPr>
+          <p:cNvPr id="7" name="Explosión 2 6"/>
+          <p:cNvSpPr/>
+          <p:nvPr/>
+        </p:nvSpPr>
+        <p:spPr>
+          <a:xfrm>
+            <a:off x="5743805" y="138606"/>
+            <a:ext cx="4920292" cy="2733382"/>
+          </a:xfrm>
+          <a:prstGeom prst="irregularSeal2">
+            <a:avLst/>
+          </a:prstGeom>
+          <a:noFill/>
+          <a:ln w="38100">
+            <a:solidFill>
+              <a:srgbClr val="FF0000"/>
+            </a:solidFill>
+            <a:prstDash val="lgDashDotDot"/>
+          </a:ln>
+        </p:spPr>
+        <p:style>
+          <a:lnRef idx="2">
+            <a:schemeClr val="accent2"/>
+          </a:lnRef>
+          <a:fillRef idx="1">
+            <a:schemeClr val="lt1"/>
+          </a:fillRef>
+          <a:effectRef idx="0">
+            <a:schemeClr val="accent2"/>
+          </a:effectRef>
+          <a:fontRef idx="minor">
+            <a:schemeClr val="dk1"/>
+          </a:fontRef>
+        </p:style>
+        <p:txBody>
+          <a:bodyPr rtlCol="0" anchor="ctr"/>
+          <a:lstStyle/>
+          <a:p>
+            <a:pPr algn="ctr"/>
+            <a:r>
+              <a:rPr lang="es-CL" sz="3200" b="1" dirty="0" smtClean="0"/>
+              <a:t>Gracias por</a:t>
+            </a:r>
+          </a:p>
+          <a:p>
+            <a:pPr algn="ctr"/>
+            <a:r>
+              <a:rPr lang="es-CL" sz="3200" b="1" dirty="0" smtClean="0"/>
+              <a:t>escuchar</a:t>
+            </a:r>
+            <a:r>
+              <a:rPr lang="es-CL" sz="3200" b="1" dirty="0" smtClean="0"/>
+              <a:t> </a:t>
+            </a:r>
+            <a:endParaRPr lang="es-CL" sz="3200" b="1" dirty="0"/>
+          </a:p>
+        </p:txBody>
+      </p:sp>
     </p:spTree>
     <p:extLst>
       <p:ext uri="{BB962C8B-B14F-4D97-AF65-F5344CB8AC3E}">
-        <p14:creationId xmlns:p14="http://schemas.microsoft.com/office/powerpoint/2010/main" val="2728724757"/>
+        <p14:creationId xmlns:p14="http://schemas.microsoft.com/office/powerpoint/2010/main" val="2710886889"/>
       </p:ext>
     </p:extLst>
   </p:cSld>
   <p:clrMapOvr>
     <a:masterClrMapping/>
   </p:clrMapOvr>
+  <p:timing>
+    <p:tnLst>
+      <p:par>
+        <p:cTn id="1" dur="indefinite" restart="never" nodeType="tmRoot">
+          <p:childTnLst>
+            <p:seq concurrent="1" nextAc="seek">
+              <p:cTn id="2" dur="indefinite" nodeType="mainSeq">
+                <p:childTnLst>
+                  <p:par>
+                    <p:cTn id="3" fill="hold">
+                      <p:stCondLst>
+                        <p:cond delay="indefinite"/>
+                      </p:stCondLst>
+                      <p:childTnLst>
+                        <p:par>
+                          <p:cTn id="4" fill="hold">
+                            <p:stCondLst>
+                              <p:cond delay="0"/>
+                            </p:stCondLst>
+                            <p:childTnLst>
+                              <p:par>
+                                <p:cTn id="5" presetID="14" presetClass="exit" presetSubtype="10" fill="hold" grpId="0" nodeType="clickEffect">
+                                  <p:stCondLst>
+                                    <p:cond delay="0"/>
+                                  </p:stCondLst>
+                                  <p:childTnLst>
+                                    <p:animEffect transition="out" filter="randombar(horizontal)">
+                                      <p:cBhvr>
+                                        <p:cTn id="6" dur="500"/>
+                                        <p:tgtEl>
+                                          <p:spTgt spid="6"/>
+                                        </p:tgtEl>
+                                      </p:cBhvr>
+                                    </p:animEffect>
+                                    <p:set>
+                                      <p:cBhvr>
+                                        <p:cTn id="7" dur="1" fill="hold">
+                                          <p:stCondLst>
+                                            <p:cond delay="499"/>
+                                          </p:stCondLst>
+                                        </p:cTn>
+                                        <p:tgtEl>
+                                          <p:spTgt spid="6"/>
+                                        </p:tgtEl>
+                                        <p:attrNameLst>
+                                          <p:attrName>style.visibility</p:attrName>
+                                        </p:attrNameLst>
+                                      </p:cBhvr>
+                                      <p:to>
+                                        <p:strVal val="hidden"/>
+                                      </p:to>
+                                    </p:set>
+                                  </p:childTnLst>
+                                </p:cTn>
+                              </p:par>
+                              <p:par>
+                                <p:cTn id="8" presetID="14" presetClass="exit" presetSubtype="10" fill="hold" grpId="0" nodeType="withEffect">
+                                  <p:stCondLst>
+                                    <p:cond delay="0"/>
+                                  </p:stCondLst>
+                                  <p:childTnLst>
+                                    <p:animEffect transition="out" filter="randombar(horizontal)">
+                                      <p:cBhvr>
+                                        <p:cTn id="9" dur="500"/>
+                                        <p:tgtEl>
+                                          <p:spTgt spid="5"/>
+                                        </p:tgtEl>
+                                      </p:cBhvr>
+                                    </p:animEffect>
+                                    <p:set>
+                                      <p:cBhvr>
+                                        <p:cTn id="10" dur="1" fill="hold">
+                                          <p:stCondLst>
+                                            <p:cond delay="499"/>
+                                          </p:stCondLst>
+                                        </p:cTn>
+                                        <p:tgtEl>
+                                          <p:spTgt spid="5"/>
+                                        </p:tgtEl>
+                                        <p:attrNameLst>
+                                          <p:attrName>style.visibility</p:attrName>
+                                        </p:attrNameLst>
+                                      </p:cBhvr>
+                                      <p:to>
+                                        <p:strVal val="hidden"/>
+                                      </p:to>
+                                    </p:set>
+                                  </p:childTnLst>
+                                </p:cTn>
+                              </p:par>
+                              <p:par>
+                                <p:cTn id="11" presetID="14" presetClass="exit" presetSubtype="10" fill="hold" nodeType="withEffect">
+                                  <p:stCondLst>
+                                    <p:cond delay="0"/>
+                                  </p:stCondLst>
+                                  <p:childTnLst>
+                                    <p:animEffect transition="out" filter="randombar(horizontal)">
+                                      <p:cBhvr>
+                                        <p:cTn id="12" dur="500"/>
+                                        <p:tgtEl>
+                                          <p:spTgt spid="4"/>
+                                        </p:tgtEl>
+                                      </p:cBhvr>
+                                    </p:animEffect>
+                                    <p:set>
+                                      <p:cBhvr>
+                                        <p:cTn id="13" dur="1" fill="hold">
+                                          <p:stCondLst>
+                                            <p:cond delay="499"/>
+                                          </p:stCondLst>
+                                        </p:cTn>
+                                        <p:tgtEl>
+                                          <p:spTgt spid="4"/>
+                                        </p:tgtEl>
+                                        <p:attrNameLst>
+                                          <p:attrName>style.visibility</p:attrName>
+                                        </p:attrNameLst>
+                                      </p:cBhvr>
+                                      <p:to>
+                                        <p:strVal val="hidden"/>
+                                      </p:to>
+                                    </p:set>
+                                  </p:childTnLst>
+                                </p:cTn>
+                              </p:par>
+                            </p:childTnLst>
+                          </p:cTn>
+                        </p:par>
+                      </p:childTnLst>
+                    </p:cTn>
+                  </p:par>
+                  <p:par>
+                    <p:cTn id="14" fill="hold">
+                      <p:stCondLst>
+                        <p:cond delay="indefinite"/>
+                      </p:stCondLst>
+                      <p:childTnLst>
+                        <p:par>
+                          <p:cTn id="15" fill="hold">
+                            <p:stCondLst>
+                              <p:cond delay="0"/>
+                            </p:stCondLst>
+                            <p:childTnLst>
+                              <p:par>
+                                <p:cTn id="16" presetID="2" presetClass="entr" presetSubtype="4" fill="hold" nodeType="clickEffect">
+                                  <p:stCondLst>
+                                    <p:cond delay="0"/>
+                                  </p:stCondLst>
+                                  <p:childTnLst>
+                                    <p:set>
+                                      <p:cBhvr>
+                                        <p:cTn id="17" dur="1" fill="hold">
+                                          <p:stCondLst>
+                                            <p:cond delay="0"/>
+                                          </p:stCondLst>
+                                        </p:cTn>
+                                        <p:tgtEl>
+                                          <p:spTgt spid="8"/>
+                                        </p:tgtEl>
+                                        <p:attrNameLst>
+                                          <p:attrName>style.visibility</p:attrName>
+                                        </p:attrNameLst>
+                                      </p:cBhvr>
+                                      <p:to>
+                                        <p:strVal val="visible"/>
+                                      </p:to>
+                                    </p:set>
+                                    <p:anim calcmode="lin" valueType="num">
+                                      <p:cBhvr additive="base">
+                                        <p:cTn id="18" dur="500" fill="hold"/>
+                                        <p:tgtEl>
+                                          <p:spTgt spid="8"/>
+                                        </p:tgtEl>
+                                        <p:attrNameLst>
+                                          <p:attrName>ppt_x</p:attrName>
+                                        </p:attrNameLst>
+                                      </p:cBhvr>
+                                      <p:tavLst>
+                                        <p:tav tm="0">
+                                          <p:val>
+                                            <p:strVal val="#ppt_x"/>
+                                          </p:val>
+                                        </p:tav>
+                                        <p:tav tm="100000">
+                                          <p:val>
+                                            <p:strVal val="#ppt_x"/>
+                                          </p:val>
+                                        </p:tav>
+                                      </p:tavLst>
+                                    </p:anim>
+                                    <p:anim calcmode="lin" valueType="num">
+                                      <p:cBhvr additive="base">
+                                        <p:cTn id="19" dur="500" fill="hold"/>
+                                        <p:tgtEl>
+                                          <p:spTgt spid="8"/>
+                                        </p:tgtEl>
+                                        <p:attrNameLst>
+                                          <p:attrName>ppt_y</p:attrName>
+                                        </p:attrNameLst>
+                                      </p:cBhvr>
+                                      <p:tavLst>
+                                        <p:tav tm="0">
+                                          <p:val>
+                                            <p:strVal val="1+#ppt_h/2"/>
+                                          </p:val>
+                                        </p:tav>
+                                        <p:tav tm="100000">
+                                          <p:val>
+                                            <p:strVal val="#ppt_y"/>
+                                          </p:val>
+                                        </p:tav>
+                                      </p:tavLst>
+                                    </p:anim>
+                                  </p:childTnLst>
+                                </p:cTn>
+                              </p:par>
+                              <p:par>
+                                <p:cTn id="20" presetID="2" presetClass="entr" presetSubtype="4" fill="hold" grpId="0" nodeType="withEffect">
+                                  <p:stCondLst>
+                                    <p:cond delay="0"/>
+                                  </p:stCondLst>
+                                  <p:childTnLst>
+                                    <p:set>
+                                      <p:cBhvr>
+                                        <p:cTn id="21" dur="1" fill="hold">
+                                          <p:stCondLst>
+                                            <p:cond delay="0"/>
+                                          </p:stCondLst>
+                                        </p:cTn>
+                                        <p:tgtEl>
+                                          <p:spTgt spid="7"/>
+                                        </p:tgtEl>
+                                        <p:attrNameLst>
+                                          <p:attrName>style.visibility</p:attrName>
+                                        </p:attrNameLst>
+                                      </p:cBhvr>
+                                      <p:to>
+                                        <p:strVal val="visible"/>
+                                      </p:to>
+                                    </p:set>
+                                    <p:anim calcmode="lin" valueType="num">
+                                      <p:cBhvr additive="base">
+                                        <p:cTn id="22" dur="500" fill="hold"/>
+                                        <p:tgtEl>
+                                          <p:spTgt spid="7"/>
+                                        </p:tgtEl>
+                                        <p:attrNameLst>
+                                          <p:attrName>ppt_x</p:attrName>
+                                        </p:attrNameLst>
+                                      </p:cBhvr>
+                                      <p:tavLst>
+                                        <p:tav tm="0">
+                                          <p:val>
+                                            <p:strVal val="#ppt_x"/>
+                                          </p:val>
+                                        </p:tav>
+                                        <p:tav tm="100000">
+                                          <p:val>
+                                            <p:strVal val="#ppt_x"/>
+                                          </p:val>
+                                        </p:tav>
+                                      </p:tavLst>
+                                    </p:anim>
+                                    <p:anim calcmode="lin" valueType="num">
+                                      <p:cBhvr additive="base">
+                                        <p:cTn id="23" dur="500" fill="hold"/>
+                                        <p:tgtEl>
+                                          <p:spTgt spid="7"/>
+                                        </p:tgtEl>
+                                        <p:attrNameLst>
+                                          <p:attrName>ppt_y</p:attrName>
+                                        </p:attrNameLst>
+                                      </p:cBhvr>
+                                      <p:tavLst>
+                                        <p:tav tm="0">
+                                          <p:val>
+                                            <p:strVal val="1+#ppt_h/2"/>
+                                          </p:val>
+                                        </p:tav>
+                                        <p:tav tm="100000">
+                                          <p:val>
+                                            <p:strVal val="#ppt_y"/>
+                                          </p:val>
+                                        </p:tav>
+                                      </p:tavLst>
+                                    </p:anim>
+                                  </p:childTnLst>
+                                </p:cTn>
+                              </p:par>
+                            </p:childTnLst>
+                          </p:cTn>
+                        </p:par>
+                      </p:childTnLst>
+                    </p:cTn>
+                  </p:par>
+                </p:childTnLst>
+              </p:cTn>
+              <p:prevCondLst>
+                <p:cond evt="onPrev" delay="0">
+                  <p:tgtEl>
+                    <p:sldTgt/>
+                  </p:tgtEl>
+                </p:cond>
+              </p:prevCondLst>
+              <p:nextCondLst>
+                <p:cond evt="onNext" delay="0">
+                  <p:tgtEl>
+                    <p:sldTgt/>
+                  </p:tgtEl>
+                </p:cond>
+              </p:nextCondLst>
+            </p:seq>
+          </p:childTnLst>
+        </p:cTn>
+      </p:par>
+    </p:tnLst>
+    <p:bldLst>
+      <p:bldP spid="5" grpId="0" animBg="1"/>
+      <p:bldP spid="6" grpId="0" animBg="1"/>
+      <p:bldP spid="7" grpId="0" animBg="1"/>
+    </p:bldLst>
+  </p:timing>
 </p:sld>
 </file>
 
